--- a/Aula projekt.pptx
+++ b/Aula projekt.pptx
@@ -6036,7 +6036,7 @@
             <a:pPr algn="ctr"/>
             <a:r>
               <a:rPr lang="hu-HU" b="1" dirty="0"/>
-              <a:t>Aula projekt</a:t>
+              <a:t>Autószerviz</a:t>
             </a:r>
           </a:p>
         </p:txBody>

--- a/Aula projekt.pptx
+++ b/Aula projekt.pptx
@@ -6,11 +6,12 @@
   </p:sldMasterIdLst>
   <p:sldIdLst>
     <p:sldId id="256" r:id="rId2"/>
-    <p:sldId id="257" r:id="rId3"/>
-    <p:sldId id="261" r:id="rId4"/>
-    <p:sldId id="259" r:id="rId5"/>
-    <p:sldId id="258" r:id="rId6"/>
-    <p:sldId id="260" r:id="rId7"/>
+    <p:sldId id="262" r:id="rId3"/>
+    <p:sldId id="257" r:id="rId4"/>
+    <p:sldId id="261" r:id="rId5"/>
+    <p:sldId id="259" r:id="rId6"/>
+    <p:sldId id="258" r:id="rId7"/>
+    <p:sldId id="260" r:id="rId8"/>
   </p:sldIdLst>
   <p:sldSz cx="12192000" cy="6858000"/>
   <p:notesSz cx="6858000" cy="9144000"/>
@@ -6096,6 +6097,161 @@
           <a:chExt cx="0" cy="0"/>
         </a:xfrm>
       </p:grpSpPr>
+      <p:sp>
+        <p:nvSpPr>
+          <p:cNvPr id="2" name="Cím 1">
+            <a:extLst>
+              <a:ext uri="{FF2B5EF4-FFF2-40B4-BE49-F238E27FC236}">
+                <a16:creationId xmlns:a16="http://schemas.microsoft.com/office/drawing/2014/main" id="{0B603986-926E-46B5-8C41-3094FF9D8071}"/>
+              </a:ext>
+            </a:extLst>
+          </p:cNvPr>
+          <p:cNvSpPr>
+            <a:spLocks noGrp="1"/>
+          </p:cNvSpPr>
+          <p:nvPr>
+            <p:ph type="title"/>
+          </p:nvPr>
+        </p:nvSpPr>
+        <p:spPr/>
+        <p:txBody>
+          <a:bodyPr/>
+          <a:lstStyle/>
+          <a:p>
+            <a:r>
+              <a:rPr lang="hu-HU" dirty="0"/>
+              <a:t>Feladat</a:t>
+            </a:r>
+          </a:p>
+        </p:txBody>
+      </p:sp>
+      <p:sp>
+        <p:nvSpPr>
+          <p:cNvPr id="3" name="Tartalom helye 2">
+            <a:extLst>
+              <a:ext uri="{FF2B5EF4-FFF2-40B4-BE49-F238E27FC236}">
+                <a16:creationId xmlns:a16="http://schemas.microsoft.com/office/drawing/2014/main" id="{E736325F-C7D3-4549-BCC1-C3F3A6B9A12D}"/>
+              </a:ext>
+            </a:extLst>
+          </p:cNvPr>
+          <p:cNvSpPr>
+            <a:spLocks noGrp="1"/>
+          </p:cNvSpPr>
+          <p:nvPr>
+            <p:ph idx="1"/>
+          </p:nvPr>
+        </p:nvSpPr>
+        <p:spPr/>
+        <p:txBody>
+          <a:bodyPr/>
+          <a:lstStyle/>
+          <a:p>
+            <a:r>
+              <a:rPr lang="hu-HU" dirty="0"/>
+              <a:t>Egy autószerelő műhelynek weboldalát  kellet megcsinálni </a:t>
+            </a:r>
+            <a:r>
+              <a:rPr lang="hu-HU" dirty="0" err="1"/>
+              <a:t>sql</a:t>
+            </a:r>
+            <a:r>
+              <a:rPr lang="hu-HU" dirty="0"/>
+              <a:t>-ban</a:t>
+            </a:r>
+          </a:p>
+          <a:p>
+            <a:r>
+              <a:rPr lang="hu-HU" dirty="0"/>
+              <a:t>Máté: </a:t>
+            </a:r>
+            <a:r>
+              <a:rPr lang="hu-HU" dirty="0" err="1"/>
+              <a:t>Sql</a:t>
+            </a:r>
+            <a:r>
+              <a:rPr lang="hu-HU" dirty="0"/>
+              <a:t> kódot írta.</a:t>
+            </a:r>
+          </a:p>
+          <a:p>
+            <a:r>
+              <a:rPr lang="hu-HU" dirty="0"/>
+              <a:t>Csongi: </a:t>
+            </a:r>
+            <a:r>
+              <a:rPr lang="hu-HU" dirty="0" err="1"/>
+              <a:t>Figmaval</a:t>
+            </a:r>
+            <a:r>
+              <a:rPr lang="hu-HU" dirty="0"/>
+              <a:t> foglalkozott es segített az </a:t>
+            </a:r>
+            <a:r>
+              <a:rPr lang="hu-HU" dirty="0" err="1"/>
+              <a:t>sql</a:t>
+            </a:r>
+            <a:r>
+              <a:rPr lang="hu-HU" dirty="0"/>
+              <a:t> kódban segített a Máténak, illetve Ppt-t csinálta.</a:t>
+            </a:r>
+          </a:p>
+          <a:p>
+            <a:r>
+              <a:rPr lang="hu-HU" dirty="0"/>
+              <a:t>Péter: </a:t>
+            </a:r>
+            <a:r>
+              <a:rPr lang="hu-HU" dirty="0" err="1"/>
+              <a:t>Figmaval</a:t>
+            </a:r>
+            <a:r>
+              <a:rPr lang="hu-HU" dirty="0"/>
+              <a:t> foglalkozott es segített az </a:t>
+            </a:r>
+            <a:r>
+              <a:rPr lang="hu-HU" dirty="0" err="1"/>
+              <a:t>sql</a:t>
+            </a:r>
+            <a:r>
+              <a:rPr lang="hu-HU" dirty="0"/>
+              <a:t> kódban segített a Máténak.</a:t>
+            </a:r>
+          </a:p>
+          <a:p>
+            <a:endParaRPr lang="hu-HU" dirty="0"/>
+          </a:p>
+        </p:txBody>
+      </p:sp>
+    </p:spTree>
+    <p:extLst>
+      <p:ext uri="{BB962C8B-B14F-4D97-AF65-F5344CB8AC3E}">
+        <p14:creationId xmlns:p14="http://schemas.microsoft.com/office/powerpoint/2010/main" val="1541942780"/>
+      </p:ext>
+    </p:extLst>
+  </p:cSld>
+  <p:clrMapOvr>
+    <a:masterClrMapping/>
+  </p:clrMapOvr>
+</p:sld>
+</file>
+
+<file path=ppt/slides/slide3.xml><?xml version="1.0" encoding="utf-8"?>
+<p:sld xmlns:a="http://schemas.openxmlformats.org/drawingml/2006/main" xmlns:r="http://schemas.openxmlformats.org/officeDocument/2006/relationships" xmlns:p="http://schemas.openxmlformats.org/presentationml/2006/main">
+  <p:cSld>
+    <p:spTree>
+      <p:nvGrpSpPr>
+        <p:cNvPr id="1" name=""/>
+        <p:cNvGrpSpPr/>
+        <p:nvPr/>
+      </p:nvGrpSpPr>
+      <p:grpSpPr>
+        <a:xfrm>
+          <a:off x="0" y="0"/>
+          <a:ext cx="0" cy="0"/>
+          <a:chOff x="0" y="0"/>
+          <a:chExt cx="0" cy="0"/>
+        </a:xfrm>
+      </p:grpSpPr>
       <p:pic>
         <p:nvPicPr>
           <p:cNvPr id="1026" name="Picture 2" descr="W3Schools Web Development Bootcamp | The Learning Community ...">
@@ -6344,7 +6500,7 @@
 </p:sld>
 </file>
 
-<file path=ppt/slides/slide3.xml><?xml version="1.0" encoding="utf-8"?>
+<file path=ppt/slides/slide4.xml><?xml version="1.0" encoding="utf-8"?>
 <p:sld xmlns:a="http://schemas.openxmlformats.org/drawingml/2006/main" xmlns:r="http://schemas.openxmlformats.org/officeDocument/2006/relationships" xmlns:p="http://schemas.openxmlformats.org/presentationml/2006/main">
   <p:cSld>
     <p:spTree>
@@ -6431,102 +6587,6 @@
     <p:extLst>
       <p:ext uri="{BB962C8B-B14F-4D97-AF65-F5344CB8AC3E}">
         <p14:creationId xmlns:p14="http://schemas.microsoft.com/office/powerpoint/2010/main" val="1386970437"/>
-      </p:ext>
-    </p:extLst>
-  </p:cSld>
-  <p:clrMapOvr>
-    <a:masterClrMapping/>
-  </p:clrMapOvr>
-</p:sld>
-</file>
-
-<file path=ppt/slides/slide4.xml><?xml version="1.0" encoding="utf-8"?>
-<p:sld xmlns:a="http://schemas.openxmlformats.org/drawingml/2006/main" xmlns:r="http://schemas.openxmlformats.org/officeDocument/2006/relationships" xmlns:p="http://schemas.openxmlformats.org/presentationml/2006/main">
-  <p:cSld>
-    <p:spTree>
-      <p:nvGrpSpPr>
-        <p:cNvPr id="1" name=""/>
-        <p:cNvGrpSpPr/>
-        <p:nvPr/>
-      </p:nvGrpSpPr>
-      <p:grpSpPr>
-        <a:xfrm>
-          <a:off x="0" y="0"/>
-          <a:ext cx="0" cy="0"/>
-          <a:chOff x="0" y="0"/>
-          <a:chExt cx="0" cy="0"/>
-        </a:xfrm>
-      </p:grpSpPr>
-      <p:sp>
-        <p:nvSpPr>
-          <p:cNvPr id="2" name="Szövegdoboz 1">
-            <a:extLst>
-              <a:ext uri="{FF2B5EF4-FFF2-40B4-BE49-F238E27FC236}">
-                <a16:creationId xmlns:a16="http://schemas.microsoft.com/office/drawing/2014/main" id="{DB58AF6A-FEBD-44FA-A23C-7812AFF22E55}"/>
-              </a:ext>
-            </a:extLst>
-          </p:cNvPr>
-          <p:cNvSpPr txBox="1"/>
-          <p:nvPr/>
-        </p:nvSpPr>
-        <p:spPr>
-          <a:xfrm>
-            <a:off x="2954322" y="343949"/>
-            <a:ext cx="6283355" cy="707886"/>
-          </a:xfrm>
-          <a:prstGeom prst="rect">
-            <a:avLst/>
-          </a:prstGeom>
-          <a:noFill/>
-        </p:spPr>
-        <p:txBody>
-          <a:bodyPr wrap="square" rtlCol="0">
-            <a:spAutoFit/>
-          </a:bodyPr>
-          <a:lstStyle/>
-          <a:p>
-            <a:pPr algn="ctr"/>
-            <a:r>
-              <a:rPr lang="hu-HU" sz="4000" b="1" dirty="0"/>
-              <a:t>terv</a:t>
-            </a:r>
-          </a:p>
-        </p:txBody>
-      </p:sp>
-      <p:pic>
-        <p:nvPicPr>
-          <p:cNvPr id="5" name="Kép 4">
-            <a:extLst>
-              <a:ext uri="{FF2B5EF4-FFF2-40B4-BE49-F238E27FC236}">
-                <a16:creationId xmlns:a16="http://schemas.microsoft.com/office/drawing/2014/main" id="{CE6B65A0-855F-47E7-AAAB-43775B7915E3}"/>
-              </a:ext>
-            </a:extLst>
-          </p:cNvPr>
-          <p:cNvPicPr>
-            <a:picLocks noChangeAspect="1"/>
-          </p:cNvPicPr>
-          <p:nvPr/>
-        </p:nvPicPr>
-        <p:blipFill>
-          <a:blip r:embed="rId2"/>
-          <a:stretch>
-            <a:fillRect/>
-          </a:stretch>
-        </p:blipFill>
-        <p:spPr>
-          <a:xfrm>
-            <a:off x="213919" y="1317945"/>
-            <a:ext cx="11764161" cy="5540055"/>
-          </a:xfrm>
-          <a:prstGeom prst="rect">
-            <a:avLst/>
-          </a:prstGeom>
-        </p:spPr>
-      </p:pic>
-    </p:spTree>
-    <p:extLst>
-      <p:ext uri="{BB962C8B-B14F-4D97-AF65-F5344CB8AC3E}">
-        <p14:creationId xmlns:p14="http://schemas.microsoft.com/office/powerpoint/2010/main" val="264139243"/>
       </p:ext>
     </p:extLst>
   </p:cSld>
@@ -6558,6 +6618,102 @@
           <p:cNvPr id="2" name="Szövegdoboz 1">
             <a:extLst>
               <a:ext uri="{FF2B5EF4-FFF2-40B4-BE49-F238E27FC236}">
+                <a16:creationId xmlns:a16="http://schemas.microsoft.com/office/drawing/2014/main" id="{DB58AF6A-FEBD-44FA-A23C-7812AFF22E55}"/>
+              </a:ext>
+            </a:extLst>
+          </p:cNvPr>
+          <p:cNvSpPr txBox="1"/>
+          <p:nvPr/>
+        </p:nvSpPr>
+        <p:spPr>
+          <a:xfrm>
+            <a:off x="2954322" y="343949"/>
+            <a:ext cx="6283355" cy="707886"/>
+          </a:xfrm>
+          <a:prstGeom prst="rect">
+            <a:avLst/>
+          </a:prstGeom>
+          <a:noFill/>
+        </p:spPr>
+        <p:txBody>
+          <a:bodyPr wrap="square" rtlCol="0">
+            <a:spAutoFit/>
+          </a:bodyPr>
+          <a:lstStyle/>
+          <a:p>
+            <a:pPr algn="ctr"/>
+            <a:r>
+              <a:rPr lang="hu-HU" sz="4000" b="1" dirty="0"/>
+              <a:t>terv</a:t>
+            </a:r>
+          </a:p>
+        </p:txBody>
+      </p:sp>
+      <p:pic>
+        <p:nvPicPr>
+          <p:cNvPr id="5" name="Kép 4">
+            <a:extLst>
+              <a:ext uri="{FF2B5EF4-FFF2-40B4-BE49-F238E27FC236}">
+                <a16:creationId xmlns:a16="http://schemas.microsoft.com/office/drawing/2014/main" id="{CE6B65A0-855F-47E7-AAAB-43775B7915E3}"/>
+              </a:ext>
+            </a:extLst>
+          </p:cNvPr>
+          <p:cNvPicPr>
+            <a:picLocks noChangeAspect="1"/>
+          </p:cNvPicPr>
+          <p:nvPr/>
+        </p:nvPicPr>
+        <p:blipFill>
+          <a:blip r:embed="rId2"/>
+          <a:stretch>
+            <a:fillRect/>
+          </a:stretch>
+        </p:blipFill>
+        <p:spPr>
+          <a:xfrm>
+            <a:off x="213919" y="1317945"/>
+            <a:ext cx="11764161" cy="5540055"/>
+          </a:xfrm>
+          <a:prstGeom prst="rect">
+            <a:avLst/>
+          </a:prstGeom>
+        </p:spPr>
+      </p:pic>
+    </p:spTree>
+    <p:extLst>
+      <p:ext uri="{BB962C8B-B14F-4D97-AF65-F5344CB8AC3E}">
+        <p14:creationId xmlns:p14="http://schemas.microsoft.com/office/powerpoint/2010/main" val="264139243"/>
+      </p:ext>
+    </p:extLst>
+  </p:cSld>
+  <p:clrMapOvr>
+    <a:masterClrMapping/>
+  </p:clrMapOvr>
+</p:sld>
+</file>
+
+<file path=ppt/slides/slide6.xml><?xml version="1.0" encoding="utf-8"?>
+<p:sld xmlns:a="http://schemas.openxmlformats.org/drawingml/2006/main" xmlns:r="http://schemas.openxmlformats.org/officeDocument/2006/relationships" xmlns:p="http://schemas.openxmlformats.org/presentationml/2006/main">
+  <p:cSld>
+    <p:spTree>
+      <p:nvGrpSpPr>
+        <p:cNvPr id="1" name=""/>
+        <p:cNvGrpSpPr/>
+        <p:nvPr/>
+      </p:nvGrpSpPr>
+      <p:grpSpPr>
+        <a:xfrm>
+          <a:off x="0" y="0"/>
+          <a:ext cx="0" cy="0"/>
+          <a:chOff x="0" y="0"/>
+          <a:chExt cx="0" cy="0"/>
+        </a:xfrm>
+      </p:grpSpPr>
+      <p:sp>
+        <p:nvSpPr>
+          <p:cNvPr id="2" name="Szövegdoboz 1">
+            <a:extLst>
+              <a:ext uri="{FF2B5EF4-FFF2-40B4-BE49-F238E27FC236}">
                 <a16:creationId xmlns:a16="http://schemas.microsoft.com/office/drawing/2014/main" id="{3F0D73F3-3C45-4464-B75C-5EF3451A9ECA}"/>
               </a:ext>
             </a:extLst>
@@ -6663,7 +6819,7 @@
 </p:sld>
 </file>
 
-<file path=ppt/slides/slide6.xml><?xml version="1.0" encoding="utf-8"?>
+<file path=ppt/slides/slide7.xml><?xml version="1.0" encoding="utf-8"?>
 <p:sld xmlns:a="http://schemas.openxmlformats.org/drawingml/2006/main" xmlns:r="http://schemas.openxmlformats.org/officeDocument/2006/relationships" xmlns:p="http://schemas.openxmlformats.org/presentationml/2006/main">
   <p:cSld>
     <p:spTree>
